--- a/sprint-4/team_review.pptx
+++ b/sprint-4/team_review.pptx
@@ -5620,14 +5620,14 @@
           <p:nvPr>
             <p:extLst>
               <p:ext uri="{D42A27DB-BD31-4B8C-83A1-F6EECF244321}">
-                <p14:modId xmlns:p14="http://schemas.microsoft.com/office/powerpoint/2010/main" val="4101107171"/>
+                <p14:modId xmlns:p14="http://schemas.microsoft.com/office/powerpoint/2010/main" val="3356669233"/>
               </p:ext>
             </p:extLst>
           </p:nvPr>
         </p:nvGraphicFramePr>
         <p:xfrm>
           <a:off x="453482" y="1249375"/>
-          <a:ext cx="8162694" cy="3657540"/>
+          <a:ext cx="8162694" cy="3291780"/>
         </p:xfrm>
         <a:graphic>
           <a:graphicData uri="http://schemas.openxmlformats.org/drawingml/2006/table">
@@ -5697,7 +5697,7 @@
                       </a:pPr>
                       <a:r>
                         <a:rPr lang="en" sz="1200" dirty="0"/>
-                        <a:t>Sprint:</a:t>
+                        <a:t>Sprint: 4</a:t>
                       </a:r>
                       <a:endParaRPr sz="1200" dirty="0"/>
                     </a:p>
@@ -5713,66 +5713,134 @@
                       </a:pPr>
                       <a:r>
                         <a:rPr lang="en" sz="1200" dirty="0"/>
-                        <a:t>Team #:</a:t>
+                        <a:t>Team #: 3</a:t>
                       </a:r>
                     </a:p>
                     <a:p>
-                      <a:pPr marL="0" lvl="0" indent="0" algn="l" rtl="0">
+                      <a:pPr marL="0" marR="0" lvl="0" indent="0" algn="l" defTabSz="914400" rtl="0" eaLnBrk="1" fontAlgn="auto" latinLnBrk="0" hangingPunct="1">
+                        <a:lnSpc>
+                          <a:spcPct val="100000"/>
+                        </a:lnSpc>
                         <a:spcBef>
                           <a:spcPts val="0"/>
                         </a:spcBef>
                         <a:spcAft>
                           <a:spcPts val="0"/>
                         </a:spcAft>
+                        <a:buClr>
+                          <a:srgbClr val="000000"/>
+                        </a:buClr>
+                        <a:buSzTx/>
+                        <a:buFont typeface="Arial"/>
                         <a:buNone/>
+                        <a:tabLst/>
+                        <a:defRPr/>
                       </a:pPr>
                       <a:r>
                         <a:rPr lang="en" sz="1200" dirty="0"/>
-                        <a:t>Team Members:</a:t>
+                        <a:t>Team Members: </a:t>
+                      </a:r>
+                      <a:r>
+                        <a:rPr lang="en-US" sz="1200" b="0" i="0" u="none" strike="noStrike" cap="none" dirty="0">
+                          <a:solidFill>
+                            <a:srgbClr val="000000"/>
+                          </a:solidFill>
+                          <a:latin typeface="Arial"/>
+                          <a:ea typeface="Arial"/>
+                          <a:cs typeface="Arial"/>
+                          <a:sym typeface="Arial"/>
+                        </a:rPr>
+                        <a:t>Alexis, Ben, Dylan, Jonathan, Kevin, Logan</a:t>
                       </a:r>
                       <a:endParaRPr sz="1200" dirty="0"/>
                     </a:p>
                     <a:p>
-                      <a:pPr marL="0" lvl="0" indent="0" algn="l" rtl="0">
+                      <a:pPr marL="0" marR="0" lvl="0" indent="0" algn="l" defTabSz="914400" rtl="0" eaLnBrk="1" fontAlgn="auto" latinLnBrk="0" hangingPunct="1">
+                        <a:lnSpc>
+                          <a:spcPct val="100000"/>
+                        </a:lnSpc>
                         <a:spcBef>
                           <a:spcPts val="0"/>
                         </a:spcBef>
                         <a:spcAft>
                           <a:spcPts val="0"/>
                         </a:spcAft>
+                        <a:buClr>
+                          <a:srgbClr val="000000"/>
+                        </a:buClr>
+                        <a:buSzTx/>
+                        <a:buFont typeface="Arial"/>
                         <a:buNone/>
+                        <a:tabLst/>
+                        <a:defRPr/>
                       </a:pPr>
                       <a:r>
-                        <a:rPr lang="en" sz="1200"/>
-                        <a:t>Software Title:</a:t>
+                        <a:rPr lang="en-US" sz="1200" b="0" i="0" u="none" strike="noStrike" cap="none" dirty="0">
+                          <a:solidFill>
+                            <a:srgbClr val="000000"/>
+                          </a:solidFill>
+                          <a:latin typeface="Arial"/>
+                          <a:ea typeface="Arial"/>
+                          <a:cs typeface="Arial"/>
+                          <a:sym typeface="Arial"/>
+                        </a:rPr>
+                        <a:t>Software Title: GoalGetter - </a:t>
                       </a:r>
-                      <a:endParaRPr sz="1200" dirty="0"/>
+                      <a:r>
+                        <a:rPr lang="en-US" sz="1200" b="0" i="0" u="none" strike="noStrike" cap="none" dirty="0">
+                          <a:solidFill>
+                            <a:srgbClr val="000000"/>
+                          </a:solidFill>
+                          <a:effectLst/>
+                          <a:latin typeface="Arial"/>
+                          <a:ea typeface="Arial"/>
+                          <a:cs typeface="Arial"/>
+                          <a:sym typeface="Arial"/>
+                        </a:rPr>
+                        <a:t>Make Goals Better</a:t>
+                      </a:r>
+                      <a:endParaRPr lang="en-US" sz="1200" b="0" i="0" u="none" strike="noStrike" cap="none" dirty="0">
+                        <a:solidFill>
+                          <a:srgbClr val="000000"/>
+                        </a:solidFill>
+                        <a:latin typeface="Arial"/>
+                        <a:ea typeface="Arial"/>
+                        <a:cs typeface="Arial"/>
+                        <a:sym typeface="Arial"/>
+                      </a:endParaRPr>
                     </a:p>
                     <a:p>
-                      <a:pPr marL="0" lvl="0" indent="0" algn="l" rtl="0">
+                      <a:pPr marL="0" marR="0" lvl="0" indent="0" algn="l" defTabSz="914400" rtl="0" eaLnBrk="1" fontAlgn="auto" latinLnBrk="0" hangingPunct="1">
+                        <a:lnSpc>
+                          <a:spcPct val="100000"/>
+                        </a:lnSpc>
                         <a:spcBef>
                           <a:spcPts val="0"/>
                         </a:spcBef>
                         <a:spcAft>
                           <a:spcPts val="0"/>
                         </a:spcAft>
+                        <a:buClr>
+                          <a:srgbClr val="000000"/>
+                        </a:buClr>
+                        <a:buSzTx/>
+                        <a:buFont typeface="Arial"/>
                         <a:buNone/>
+                        <a:tabLst/>
+                        <a:defRPr/>
                       </a:pPr>
                       <a:r>
-                        <a:rPr lang="en" sz="1200" dirty="0"/>
-                        <a:t>Language/Framework/Library:</a:t>
+                        <a:rPr lang="en-US" sz="1200" b="0" i="0" u="none" strike="noStrike" cap="none" dirty="0">
+                          <a:solidFill>
+                            <a:srgbClr val="000000"/>
+                          </a:solidFill>
+                          <a:latin typeface="Arial"/>
+                          <a:ea typeface="Arial"/>
+                          <a:cs typeface="Arial"/>
+                          <a:sym typeface="Arial"/>
+                        </a:rPr>
+                        <a:t>Language/Framework/Library: Unity, C#, VSCode, Jira, GitHub</a:t>
                       </a:r>
-                    </a:p>
-                    <a:p>
-                      <a:pPr marL="0" lvl="0" indent="0" algn="l" rtl="0">
-                        <a:spcBef>
-                          <a:spcPts val="0"/>
-                        </a:spcBef>
-                        <a:spcAft>
-                          <a:spcPts val="0"/>
-                        </a:spcAft>
-                        <a:buNone/>
-                      </a:pPr>
                       <a:endParaRPr lang="en-US" sz="1200" dirty="0"/>
                     </a:p>
                     <a:p>
@@ -5823,21 +5891,16 @@
                       <a:endParaRPr sz="1200" b="1" u="sng" dirty="0"/>
                     </a:p>
                     <a:p>
-                      <a:pPr marL="457200" lvl="0" indent="-317500" algn="l" rtl="0">
+                      <a:pPr marL="0" lvl="0" indent="0" algn="l" rtl="0">
                         <a:spcBef>
                           <a:spcPts val="0"/>
                         </a:spcBef>
                         <a:spcAft>
                           <a:spcPts val="0"/>
                         </a:spcAft>
-                        <a:buSzPts val="1400"/>
-                        <a:buChar char="●"/>
+                        <a:buNone/>
                       </a:pPr>
-                      <a:r>
-                        <a:rPr lang="en" sz="1200" dirty="0"/>
-                        <a:t>Item 1</a:t>
-                      </a:r>
-                      <a:endParaRPr sz="1200" dirty="0"/>
+                      <a:endParaRPr lang="en-US" sz="1200" b="1" u="none" dirty="0"/>
                     </a:p>
                     <a:p>
                       <a:pPr marL="457200" lvl="0" indent="-317500" algn="l" rtl="0">
@@ -5851,10 +5914,9 @@
                         <a:buChar char="●"/>
                       </a:pPr>
                       <a:r>
-                        <a:rPr lang="en" sz="1200" dirty="0"/>
-                        <a:t>Item 2</a:t>
+                        <a:rPr lang="en-US" sz="1200" u="none" dirty="0"/>
+                        <a:t>Weekly meetings</a:t>
                       </a:r>
-                      <a:endParaRPr sz="1200" dirty="0"/>
                     </a:p>
                     <a:p>
                       <a:pPr marL="457200" lvl="0" indent="-317500" algn="l" rtl="0">
@@ -5868,10 +5930,9 @@
                         <a:buChar char="●"/>
                       </a:pPr>
                       <a:r>
-                        <a:rPr lang="en" sz="1200" dirty="0"/>
-                        <a:t>Item 3</a:t>
+                        <a:rPr lang="en-US" sz="1200" u="none" dirty="0"/>
+                        <a:t>All basic programming finished</a:t>
                       </a:r>
-                      <a:endParaRPr sz="1200" dirty="0"/>
                     </a:p>
                     <a:p>
                       <a:pPr marL="457200" lvl="0" indent="-317500" algn="l" rtl="0">
@@ -5885,27 +5946,9 @@
                         <a:buChar char="●"/>
                       </a:pPr>
                       <a:r>
-                        <a:rPr lang="en" sz="1200" dirty="0"/>
-                        <a:t>Item 4</a:t>
+                        <a:rPr lang="en-US" sz="1200" u="none" dirty="0"/>
+                        <a:t>Combined several modules</a:t>
                       </a:r>
-                      <a:endParaRPr sz="1200" dirty="0"/>
-                    </a:p>
-                    <a:p>
-                      <a:pPr marL="457200" lvl="0" indent="-317500" algn="l" rtl="0">
-                        <a:spcBef>
-                          <a:spcPts val="0"/>
-                        </a:spcBef>
-                        <a:spcAft>
-                          <a:spcPts val="0"/>
-                        </a:spcAft>
-                        <a:buSzPts val="1400"/>
-                        <a:buChar char="●"/>
-                      </a:pPr>
-                      <a:r>
-                        <a:rPr lang="en" sz="1200" dirty="0"/>
-                        <a:t>…</a:t>
-                      </a:r>
-                      <a:endParaRPr sz="1200" dirty="0"/>
                     </a:p>
                   </a:txBody>
                   <a:tcPr marL="91425" marR="91425" marT="91425" marB="91425"/>
@@ -5976,18 +6019,13 @@
                         <a:buChar char="●"/>
                       </a:pPr>
                       <a:r>
-                        <a:rPr lang="en" sz="1200" dirty="0">
+                        <a:rPr lang="en-US" sz="1200" u="none" dirty="0">
                           <a:solidFill>
                             <a:schemeClr val="dk1"/>
                           </a:solidFill>
                         </a:rPr>
-                        <a:t>Item 1</a:t>
+                        <a:t>Task division</a:t>
                       </a:r>
-                      <a:endParaRPr sz="1200" dirty="0">
-                        <a:solidFill>
-                          <a:schemeClr val="dk1"/>
-                        </a:solidFill>
-                      </a:endParaRPr>
                     </a:p>
                     <a:p>
                       <a:pPr marL="457200" lvl="0" indent="-317500" algn="l" rtl="0">
@@ -6004,97 +6042,18 @@
                         <a:buChar char="●"/>
                       </a:pPr>
                       <a:r>
-                        <a:rPr lang="en" sz="1200" dirty="0">
+                        <a:rPr lang="en-US" sz="1200" u="none" dirty="0">
                           <a:solidFill>
                             <a:schemeClr val="dk1"/>
                           </a:solidFill>
                         </a:rPr>
-                        <a:t>Item 2</a:t>
+                        <a:t>Bugs within our own Unity files</a:t>
                       </a:r>
-                      <a:endParaRPr sz="1200" dirty="0">
+                      <a:endParaRPr lang="en" sz="1200" u="none" dirty="0">
                         <a:solidFill>
                           <a:schemeClr val="dk1"/>
                         </a:solidFill>
                       </a:endParaRPr>
-                    </a:p>
-                    <a:p>
-                      <a:pPr marL="457200" lvl="0" indent="-317500" algn="l" rtl="0">
-                        <a:spcBef>
-                          <a:spcPts val="0"/>
-                        </a:spcBef>
-                        <a:spcAft>
-                          <a:spcPts val="0"/>
-                        </a:spcAft>
-                        <a:buClr>
-                          <a:schemeClr val="dk1"/>
-                        </a:buClr>
-                        <a:buSzPts val="1400"/>
-                        <a:buChar char="●"/>
-                      </a:pPr>
-                      <a:r>
-                        <a:rPr lang="en" sz="1200" dirty="0">
-                          <a:solidFill>
-                            <a:schemeClr val="dk1"/>
-                          </a:solidFill>
-                        </a:rPr>
-                        <a:t>Item 3</a:t>
-                      </a:r>
-                      <a:endParaRPr sz="1200" dirty="0">
-                        <a:solidFill>
-                          <a:schemeClr val="dk1"/>
-                        </a:solidFill>
-                      </a:endParaRPr>
-                    </a:p>
-                    <a:p>
-                      <a:pPr marL="457200" lvl="0" indent="-317500" algn="l" rtl="0">
-                        <a:spcBef>
-                          <a:spcPts val="0"/>
-                        </a:spcBef>
-                        <a:spcAft>
-                          <a:spcPts val="0"/>
-                        </a:spcAft>
-                        <a:buClr>
-                          <a:schemeClr val="dk1"/>
-                        </a:buClr>
-                        <a:buSzPts val="1400"/>
-                        <a:buChar char="●"/>
-                      </a:pPr>
-                      <a:r>
-                        <a:rPr lang="en" sz="1200" dirty="0">
-                          <a:solidFill>
-                            <a:schemeClr val="dk1"/>
-                          </a:solidFill>
-                        </a:rPr>
-                        <a:t>Item 4</a:t>
-                      </a:r>
-                      <a:endParaRPr sz="1200" dirty="0">
-                        <a:solidFill>
-                          <a:schemeClr val="dk1"/>
-                        </a:solidFill>
-                      </a:endParaRPr>
-                    </a:p>
-                    <a:p>
-                      <a:pPr marL="457200" lvl="0" indent="-317500" algn="l" rtl="0">
-                        <a:spcBef>
-                          <a:spcPts val="0"/>
-                        </a:spcBef>
-                        <a:spcAft>
-                          <a:spcPts val="0"/>
-                        </a:spcAft>
-                        <a:buClr>
-                          <a:schemeClr val="dk1"/>
-                        </a:buClr>
-                        <a:buSzPts val="1400"/>
-                        <a:buChar char="●"/>
-                      </a:pPr>
-                      <a:r>
-                        <a:rPr lang="en" sz="1200" dirty="0">
-                          <a:solidFill>
-                            <a:schemeClr val="dk1"/>
-                          </a:solidFill>
-                        </a:rPr>
-                        <a:t>…</a:t>
-                      </a:r>
                     </a:p>
                     <a:p>
                       <a:pPr marL="139700" lvl="0" indent="0" algn="l" rtl="0">
@@ -6183,76 +6142,8 @@
                         <a:buChar char="●"/>
                       </a:pPr>
                       <a:r>
-                        <a:rPr lang="en" sz="1200" dirty="0"/>
-                        <a:t>Item 1</a:t>
-                      </a:r>
-                      <a:endParaRPr sz="1200" dirty="0"/>
-                    </a:p>
-                    <a:p>
-                      <a:pPr marL="457200" lvl="0" indent="-317500" algn="l" rtl="0">
-                        <a:spcBef>
-                          <a:spcPts val="0"/>
-                        </a:spcBef>
-                        <a:spcAft>
-                          <a:spcPts val="0"/>
-                        </a:spcAft>
-                        <a:buSzPts val="1400"/>
-                        <a:buChar char="●"/>
-                      </a:pPr>
-                      <a:r>
-                        <a:rPr lang="en" sz="1200" dirty="0"/>
-                        <a:t>Item 2</a:t>
-                      </a:r>
-                      <a:endParaRPr sz="1200" dirty="0"/>
-                    </a:p>
-                    <a:p>
-                      <a:pPr marL="457200" lvl="0" indent="-317500" algn="l" rtl="0">
-                        <a:spcBef>
-                          <a:spcPts val="0"/>
-                        </a:spcBef>
-                        <a:spcAft>
-                          <a:spcPts val="0"/>
-                        </a:spcAft>
-                        <a:buSzPts val="1400"/>
-                        <a:buChar char="●"/>
-                      </a:pPr>
-                      <a:r>
-                        <a:rPr lang="en" sz="1200" dirty="0"/>
-                        <a:t>Item 3</a:t>
-                      </a:r>
-                      <a:endParaRPr sz="1200" dirty="0"/>
-                    </a:p>
-                    <a:p>
-                      <a:pPr marL="457200" lvl="0" indent="-317500" algn="l" rtl="0">
-                        <a:spcBef>
-                          <a:spcPts val="0"/>
-                        </a:spcBef>
-                        <a:spcAft>
-                          <a:spcPts val="0"/>
-                        </a:spcAft>
-                        <a:buSzPts val="1400"/>
-                        <a:buChar char="●"/>
-                      </a:pPr>
-                      <a:r>
-                        <a:rPr lang="en" sz="1200" dirty="0"/>
-                        <a:t>Item 4</a:t>
-                      </a:r>
-                      <a:endParaRPr sz="1200" dirty="0"/>
-                    </a:p>
-                    <a:p>
-                      <a:pPr marL="457200" lvl="0" indent="-317500" algn="l" rtl="0">
-                        <a:spcBef>
-                          <a:spcPts val="0"/>
-                        </a:spcBef>
-                        <a:spcAft>
-                          <a:spcPts val="0"/>
-                        </a:spcAft>
-                        <a:buSzPts val="1400"/>
-                        <a:buChar char="●"/>
-                      </a:pPr>
-                      <a:r>
-                        <a:rPr lang="en" sz="1200" dirty="0"/>
-                        <a:t>…</a:t>
+                        <a:rPr lang="en-US" sz="1200" dirty="0"/>
+                        <a:t>Continuation of combining modules and polishing UI/functional elements</a:t>
                       </a:r>
                       <a:endParaRPr sz="1200" dirty="0"/>
                     </a:p>
